--- a/IoT_Power_Profiler.pptx
+++ b/IoT_Power_Profiler.pptx
@@ -11,6 +11,7 @@
     <p:sldId id="257" r:id="rId5"/>
     <p:sldId id="260" r:id="rId6"/>
     <p:sldId id="261" r:id="rId7"/>
+    <p:sldId id="262" r:id="rId8"/>
   </p:sldIdLst>
   <p:sldSz cx="12192000" cy="6858000"/>
   <p:notesSz cx="6858000" cy="9144000"/>
@@ -109,6 +110,11 @@
       </a:defRPr>
     </a:lvl9pPr>
   </p:defaultTextStyle>
+  <p:extLst>
+    <p:ext uri="{EFAFB233-063F-42B5-8137-9DF3F51BA10A}">
+      <p15:sldGuideLst xmlns:p15="http://schemas.microsoft.com/office/powerpoint/2012/main"/>
+    </p:ext>
+  </p:extLst>
 </p:presentation>
 </file>
 
@@ -261,7 +267,7 @@
           <a:p>
             <a:fld id="{FB0D6C78-BE80-41D3-9294-81D8D462A108}" type="datetimeFigureOut">
               <a:rPr lang="en-IE" smtClean="0"/>
-              <a:t>01/01/2021</a:t>
+              <a:t>10/09/2021</a:t>
             </a:fld>
             <a:endParaRPr lang="en-IE"/>
           </a:p>
@@ -461,7 +467,7 @@
           <a:p>
             <a:fld id="{FB0D6C78-BE80-41D3-9294-81D8D462A108}" type="datetimeFigureOut">
               <a:rPr lang="en-IE" smtClean="0"/>
-              <a:t>01/01/2021</a:t>
+              <a:t>10/09/2021</a:t>
             </a:fld>
             <a:endParaRPr lang="en-IE"/>
           </a:p>
@@ -671,7 +677,7 @@
           <a:p>
             <a:fld id="{FB0D6C78-BE80-41D3-9294-81D8D462A108}" type="datetimeFigureOut">
               <a:rPr lang="en-IE" smtClean="0"/>
-              <a:t>01/01/2021</a:t>
+              <a:t>10/09/2021</a:t>
             </a:fld>
             <a:endParaRPr lang="en-IE"/>
           </a:p>
@@ -871,7 +877,7 @@
           <a:p>
             <a:fld id="{FB0D6C78-BE80-41D3-9294-81D8D462A108}" type="datetimeFigureOut">
               <a:rPr lang="en-IE" smtClean="0"/>
-              <a:t>01/01/2021</a:t>
+              <a:t>10/09/2021</a:t>
             </a:fld>
             <a:endParaRPr lang="en-IE"/>
           </a:p>
@@ -1147,7 +1153,7 @@
           <a:p>
             <a:fld id="{FB0D6C78-BE80-41D3-9294-81D8D462A108}" type="datetimeFigureOut">
               <a:rPr lang="en-IE" smtClean="0"/>
-              <a:t>01/01/2021</a:t>
+              <a:t>10/09/2021</a:t>
             </a:fld>
             <a:endParaRPr lang="en-IE"/>
           </a:p>
@@ -1415,7 +1421,7 @@
           <a:p>
             <a:fld id="{FB0D6C78-BE80-41D3-9294-81D8D462A108}" type="datetimeFigureOut">
               <a:rPr lang="en-IE" smtClean="0"/>
-              <a:t>01/01/2021</a:t>
+              <a:t>10/09/2021</a:t>
             </a:fld>
             <a:endParaRPr lang="en-IE"/>
           </a:p>
@@ -1830,7 +1836,7 @@
           <a:p>
             <a:fld id="{FB0D6C78-BE80-41D3-9294-81D8D462A108}" type="datetimeFigureOut">
               <a:rPr lang="en-IE" smtClean="0"/>
-              <a:t>01/01/2021</a:t>
+              <a:t>10/09/2021</a:t>
             </a:fld>
             <a:endParaRPr lang="en-IE"/>
           </a:p>
@@ -1972,7 +1978,7 @@
           <a:p>
             <a:fld id="{FB0D6C78-BE80-41D3-9294-81D8D462A108}" type="datetimeFigureOut">
               <a:rPr lang="en-IE" smtClean="0"/>
-              <a:t>01/01/2021</a:t>
+              <a:t>10/09/2021</a:t>
             </a:fld>
             <a:endParaRPr lang="en-IE"/>
           </a:p>
@@ -2085,7 +2091,7 @@
           <a:p>
             <a:fld id="{FB0D6C78-BE80-41D3-9294-81D8D462A108}" type="datetimeFigureOut">
               <a:rPr lang="en-IE" smtClean="0"/>
-              <a:t>01/01/2021</a:t>
+              <a:t>10/09/2021</a:t>
             </a:fld>
             <a:endParaRPr lang="en-IE"/>
           </a:p>
@@ -2398,7 +2404,7 @@
           <a:p>
             <a:fld id="{FB0D6C78-BE80-41D3-9294-81D8D462A108}" type="datetimeFigureOut">
               <a:rPr lang="en-IE" smtClean="0"/>
-              <a:t>01/01/2021</a:t>
+              <a:t>10/09/2021</a:t>
             </a:fld>
             <a:endParaRPr lang="en-IE"/>
           </a:p>
@@ -2687,7 +2693,7 @@
           <a:p>
             <a:fld id="{FB0D6C78-BE80-41D3-9294-81D8D462A108}" type="datetimeFigureOut">
               <a:rPr lang="en-IE" smtClean="0"/>
-              <a:t>01/01/2021</a:t>
+              <a:t>10/09/2021</a:t>
             </a:fld>
             <a:endParaRPr lang="en-IE"/>
           </a:p>
@@ -2930,7 +2936,7 @@
           <a:p>
             <a:fld id="{FB0D6C78-BE80-41D3-9294-81D8D462A108}" type="datetimeFigureOut">
               <a:rPr lang="en-IE" smtClean="0"/>
-              <a:t>01/01/2021</a:t>
+              <a:t>10/09/2021</a:t>
             </a:fld>
             <a:endParaRPr lang="en-IE"/>
           </a:p>
@@ -4366,6 +4372,222 @@
 </p:sld>
 </file>
 
+<file path=ppt/slides/slide7.xml><?xml version="1.0" encoding="utf-8"?>
+<p:sld xmlns:a="http://schemas.openxmlformats.org/drawingml/2006/main" xmlns:r="http://schemas.openxmlformats.org/officeDocument/2006/relationships" xmlns:p="http://schemas.openxmlformats.org/presentationml/2006/main">
+  <p:cSld>
+    <p:spTree>
+      <p:nvGrpSpPr>
+        <p:cNvPr id="1" name=""/>
+        <p:cNvGrpSpPr/>
+        <p:nvPr/>
+      </p:nvGrpSpPr>
+      <p:grpSpPr>
+        <a:xfrm>
+          <a:off x="0" y="0"/>
+          <a:ext cx="0" cy="0"/>
+          <a:chOff x="0" y="0"/>
+          <a:chExt cx="0" cy="0"/>
+        </a:xfrm>
+      </p:grpSpPr>
+      <p:sp>
+        <p:nvSpPr>
+          <p:cNvPr id="10" name="TextBox 9">
+            <a:extLst>
+              <a:ext uri="{FF2B5EF4-FFF2-40B4-BE49-F238E27FC236}">
+                <a16:creationId xmlns:a16="http://schemas.microsoft.com/office/drawing/2014/main" id="{23F3BB13-4CD1-4F24-AA78-A83EA3FDC372}"/>
+              </a:ext>
+            </a:extLst>
+          </p:cNvPr>
+          <p:cNvSpPr txBox="1"/>
+          <p:nvPr/>
+        </p:nvSpPr>
+        <p:spPr>
+          <a:xfrm>
+            <a:off x="71021" y="0"/>
+            <a:ext cx="12120979" cy="369332"/>
+          </a:xfrm>
+          <a:prstGeom prst="rect">
+            <a:avLst/>
+          </a:prstGeom>
+          <a:noFill/>
+        </p:spPr>
+        <p:txBody>
+          <a:bodyPr wrap="square" rtlCol="0">
+            <a:spAutoFit/>
+          </a:bodyPr>
+          <a:lstStyle/>
+          <a:p>
+            <a:pPr algn="ctr"/>
+            <a:r>
+              <a:rPr lang="en-US" b="0" i="0" dirty="0">
+                <a:effectLst/>
+                <a:latin typeface="A320 panel font" panose="02000703000000000000" pitchFamily="2" charset="0"/>
+              </a:rPr>
+              <a:t>@ $20 : AD8428 </a:t>
+            </a:r>
+            <a:r>
+              <a:rPr lang="en-US" dirty="0">
+                <a:latin typeface="A320 panel font" panose="02000703000000000000" pitchFamily="2" charset="0"/>
+              </a:rPr>
+              <a:t>rough estimation</a:t>
+            </a:r>
+            <a:endParaRPr lang="en-IE" dirty="0">
+              <a:latin typeface="A320 panel font" panose="02000703000000000000" pitchFamily="2" charset="0"/>
+            </a:endParaRPr>
+          </a:p>
+        </p:txBody>
+      </p:sp>
+      <p:sp>
+        <p:nvSpPr>
+          <p:cNvPr id="2" name="TextBox 1">
+            <a:extLst>
+              <a:ext uri="{FF2B5EF4-FFF2-40B4-BE49-F238E27FC236}">
+                <a16:creationId xmlns:a16="http://schemas.microsoft.com/office/drawing/2014/main" id="{B9786E07-5908-4DBC-9051-608C2E65724F}"/>
+              </a:ext>
+            </a:extLst>
+          </p:cNvPr>
+          <p:cNvSpPr txBox="1"/>
+          <p:nvPr/>
+        </p:nvSpPr>
+        <p:spPr>
+          <a:xfrm>
+            <a:off x="1979720" y="2121763"/>
+            <a:ext cx="4544834" cy="1477328"/>
+          </a:xfrm>
+          <a:prstGeom prst="rect">
+            <a:avLst/>
+          </a:prstGeom>
+          <a:noFill/>
+        </p:spPr>
+        <p:txBody>
+          <a:bodyPr wrap="none" rtlCol="0">
+            <a:spAutoFit/>
+          </a:bodyPr>
+          <a:lstStyle/>
+          <a:p>
+            <a:r>
+              <a:rPr lang="en-US" dirty="0"/>
+              <a:t>0.5 Ohm	10mA	5mV	x2000=	10V</a:t>
+            </a:r>
+          </a:p>
+          <a:p>
+            <a:r>
+              <a:rPr lang="en-US" dirty="0"/>
+              <a:t>	1mA	0.5mV		1V</a:t>
+            </a:r>
+          </a:p>
+          <a:p>
+            <a:r>
+              <a:rPr lang="en-US" dirty="0"/>
+              <a:t>	100uA	50uV		100mV</a:t>
+            </a:r>
+          </a:p>
+          <a:p>
+            <a:r>
+              <a:rPr lang="en-US" dirty="0"/>
+              <a:t>	10uA	5uV		10mV</a:t>
+            </a:r>
+          </a:p>
+          <a:p>
+            <a:r>
+              <a:rPr lang="en-US" dirty="0"/>
+              <a:t>	1uA	0.5uV		1mV</a:t>
+            </a:r>
+            <a:endParaRPr lang="en-IE" dirty="0"/>
+          </a:p>
+        </p:txBody>
+      </p:sp>
+      <p:sp>
+        <p:nvSpPr>
+          <p:cNvPr id="4" name="TextBox 3">
+            <a:extLst>
+              <a:ext uri="{FF2B5EF4-FFF2-40B4-BE49-F238E27FC236}">
+                <a16:creationId xmlns:a16="http://schemas.microsoft.com/office/drawing/2014/main" id="{C926B71B-BB6A-4E78-B41B-558E9069B547}"/>
+              </a:ext>
+            </a:extLst>
+          </p:cNvPr>
+          <p:cNvSpPr txBox="1"/>
+          <p:nvPr/>
+        </p:nvSpPr>
+        <p:spPr>
+          <a:xfrm>
+            <a:off x="1979720" y="4119239"/>
+            <a:ext cx="4801314" cy="369332"/>
+          </a:xfrm>
+          <a:prstGeom prst="rect">
+            <a:avLst/>
+          </a:prstGeom>
+          <a:noFill/>
+        </p:spPr>
+        <p:txBody>
+          <a:bodyPr wrap="none" rtlCol="0">
+            <a:spAutoFit/>
+          </a:bodyPr>
+          <a:lstStyle/>
+          <a:p>
+            <a:r>
+              <a:rPr lang="en-US" dirty="0"/>
+              <a:t>0.01Ohm	500mA	5mV	x2000=	10V	</a:t>
+            </a:r>
+            <a:endParaRPr lang="en-IE" dirty="0"/>
+          </a:p>
+        </p:txBody>
+      </p:sp>
+      <p:sp>
+        <p:nvSpPr>
+          <p:cNvPr id="6" name="TextBox 5">
+            <a:extLst>
+              <a:ext uri="{FF2B5EF4-FFF2-40B4-BE49-F238E27FC236}">
+                <a16:creationId xmlns:a16="http://schemas.microsoft.com/office/drawing/2014/main" id="{BB966E9D-76DD-44ED-B5BF-22006AFEDF04}"/>
+              </a:ext>
+            </a:extLst>
+          </p:cNvPr>
+          <p:cNvSpPr txBox="1"/>
+          <p:nvPr/>
+        </p:nvSpPr>
+        <p:spPr>
+          <a:xfrm>
+            <a:off x="1775534" y="5184559"/>
+            <a:ext cx="7536550" cy="646331"/>
+          </a:xfrm>
+          <a:prstGeom prst="rect">
+            <a:avLst/>
+          </a:prstGeom>
+          <a:noFill/>
+        </p:spPr>
+        <p:txBody>
+          <a:bodyPr wrap="none" rtlCol="0">
+            <a:spAutoFit/>
+          </a:bodyPr>
+          <a:lstStyle/>
+          <a:p>
+            <a:r>
+              <a:rPr lang="en-US" dirty="0"/>
+              <a:t>Conclusion:</a:t>
+            </a:r>
+          </a:p>
+          <a:p>
+            <a:r>
+              <a:rPr lang="en-US" dirty="0"/>
+              <a:t>Using 2  AD8428 and 2 series resistors can cover the range from 1uA to 500mA</a:t>
+            </a:r>
+            <a:endParaRPr lang="en-IE" dirty="0"/>
+          </a:p>
+        </p:txBody>
+      </p:sp>
+    </p:spTree>
+    <p:extLst>
+      <p:ext uri="{BB962C8B-B14F-4D97-AF65-F5344CB8AC3E}">
+        <p14:creationId xmlns:p14="http://schemas.microsoft.com/office/powerpoint/2010/main" val="1677939340"/>
+      </p:ext>
+    </p:extLst>
+  </p:cSld>
+  <p:clrMapOvr>
+    <a:masterClrMapping/>
+  </p:clrMapOvr>
+</p:sld>
+</file>
+
 <file path=ppt/theme/theme1.xml><?xml version="1.0" encoding="utf-8"?>
 <a:theme xmlns:a="http://schemas.openxmlformats.org/drawingml/2006/main" name="Office Theme">
   <a:themeElements>
